--- a/Sprint 4 Presentation.pptx
+++ b/Sprint 4 Presentation.pptx
@@ -6,8 +6,8 @@
   </p:sldMasterIdLst>
   <p:sldIdLst>
     <p:sldId id="256" r:id="rId2"/>
-    <p:sldId id="257" r:id="rId3"/>
-    <p:sldId id="258" r:id="rId4"/>
+    <p:sldId id="258" r:id="rId3"/>
+    <p:sldId id="257" r:id="rId4"/>
   </p:sldIdLst>
   <p:sldSz cx="9144000" cy="6858000" type="screen4x3"/>
   <p:notesSz cx="6858000" cy="9144000"/>
@@ -340,7 +340,7 @@
           <a:p>
             <a:fld id="{1778F24D-EB19-4AE0-B015-2BEA6D5224F2}" type="datetimeFigureOut">
               <a:rPr lang="en-US" smtClean="0"/>
-              <a:t>11/17/14</a:t>
+              <a:t>12/3/14</a:t>
             </a:fld>
             <a:endParaRPr lang="en-US"/>
           </a:p>
@@ -653,7 +653,7 @@
           <a:p>
             <a:fld id="{1778F24D-EB19-4AE0-B015-2BEA6D5224F2}" type="datetimeFigureOut">
               <a:rPr lang="en-US" smtClean="0"/>
-              <a:t>11/17/14</a:t>
+              <a:t>12/3/14</a:t>
             </a:fld>
             <a:endParaRPr lang="en-US"/>
           </a:p>
@@ -860,7 +860,7 @@
           <a:p>
             <a:fld id="{1778F24D-EB19-4AE0-B015-2BEA6D5224F2}" type="datetimeFigureOut">
               <a:rPr lang="en-US" smtClean="0"/>
-              <a:t>11/17/14</a:t>
+              <a:t>12/3/14</a:t>
             </a:fld>
             <a:endParaRPr lang="en-US"/>
           </a:p>
@@ -1065,7 +1065,7 @@
           <a:p>
             <a:fld id="{1778F24D-EB19-4AE0-B015-2BEA6D5224F2}" type="datetimeFigureOut">
               <a:rPr lang="en-US" smtClean="0"/>
-              <a:t>11/17/14</a:t>
+              <a:t>12/3/14</a:t>
             </a:fld>
             <a:endParaRPr lang="en-US"/>
           </a:p>
@@ -1260,7 +1260,7 @@
           <a:p>
             <a:fld id="{1778F24D-EB19-4AE0-B015-2BEA6D5224F2}" type="datetimeFigureOut">
               <a:rPr lang="en-US" smtClean="0"/>
-              <a:t>11/17/14</a:t>
+              <a:t>12/3/14</a:t>
             </a:fld>
             <a:endParaRPr lang="en-US"/>
           </a:p>
@@ -1530,7 +1530,7 @@
           <a:p>
             <a:fld id="{1778F24D-EB19-4AE0-B015-2BEA6D5224F2}" type="datetimeFigureOut">
               <a:rPr lang="en-US" smtClean="0"/>
-              <a:t>11/17/14</a:t>
+              <a:t>12/3/14</a:t>
             </a:fld>
             <a:endParaRPr lang="en-US"/>
           </a:p>
@@ -1841,7 +1841,7 @@
           <a:p>
             <a:fld id="{1778F24D-EB19-4AE0-B015-2BEA6D5224F2}" type="datetimeFigureOut">
               <a:rPr lang="en-US" smtClean="0"/>
-              <a:t>11/17/14</a:t>
+              <a:t>12/3/14</a:t>
             </a:fld>
             <a:endParaRPr lang="en-US"/>
           </a:p>
@@ -2302,7 +2302,7 @@
           <a:p>
             <a:fld id="{1778F24D-EB19-4AE0-B015-2BEA6D5224F2}" type="datetimeFigureOut">
               <a:rPr lang="en-US" smtClean="0"/>
-              <a:t>11/17/14</a:t>
+              <a:t>12/3/14</a:t>
             </a:fld>
             <a:endParaRPr lang="en-US"/>
           </a:p>
@@ -2441,7 +2441,7 @@
           <a:p>
             <a:fld id="{1778F24D-EB19-4AE0-B015-2BEA6D5224F2}" type="datetimeFigureOut">
               <a:rPr lang="en-US" smtClean="0"/>
-              <a:t>11/17/14</a:t>
+              <a:t>12/3/14</a:t>
             </a:fld>
             <a:endParaRPr lang="en-US"/>
           </a:p>
@@ -2557,7 +2557,7 @@
           <a:p>
             <a:fld id="{1778F24D-EB19-4AE0-B015-2BEA6D5224F2}" type="datetimeFigureOut">
               <a:rPr lang="en-US" smtClean="0"/>
-              <a:t>11/17/14</a:t>
+              <a:t>12/3/14</a:t>
             </a:fld>
             <a:endParaRPr lang="en-US"/>
           </a:p>
@@ -2843,7 +2843,7 @@
           <a:p>
             <a:fld id="{1778F24D-EB19-4AE0-B015-2BEA6D5224F2}" type="datetimeFigureOut">
               <a:rPr lang="en-US" smtClean="0"/>
-              <a:t>11/17/14</a:t>
+              <a:t>12/3/14</a:t>
             </a:fld>
             <a:endParaRPr lang="en-US"/>
           </a:p>
@@ -3181,7 +3181,7 @@
           <a:p>
             <a:fld id="{1778F24D-EB19-4AE0-B015-2BEA6D5224F2}" type="datetimeFigureOut">
               <a:rPr lang="en-US" smtClean="0"/>
-              <a:t>11/17/14</a:t>
+              <a:t>12/3/14</a:t>
             </a:fld>
             <a:endParaRPr lang="en-US"/>
           </a:p>
@@ -3457,7 +3457,7 @@
           <a:p>
             <a:fld id="{1778F24D-EB19-4AE0-B015-2BEA6D5224F2}" type="datetimeFigureOut">
               <a:rPr lang="en-US" smtClean="0"/>
-              <a:t>11/17/14</a:t>
+              <a:t>12/3/14</a:t>
             </a:fld>
             <a:endParaRPr lang="en-US"/>
           </a:p>
@@ -3846,7 +3846,7 @@
           <a:p>
             <a:r>
               <a:rPr lang="en-US" dirty="0" smtClean="0"/>
-              <a:t>Sprint 4 Review</a:t>
+              <a:t>Argument Parser</a:t>
             </a:r>
             <a:endParaRPr lang="en-US" dirty="0"/>
           </a:p>
@@ -3963,7 +3963,7 @@
           <a:p>
             <a:r>
               <a:rPr lang="en-US" dirty="0" smtClean="0"/>
-              <a:t>New Features</a:t>
+              <a:t>Description</a:t>
             </a:r>
             <a:endParaRPr lang="en-US" dirty="0"/>
           </a:p>
@@ -3981,25 +3981,15 @@
         </p:nvSpPr>
         <p:spPr/>
         <p:txBody>
-          <a:bodyPr/>
-          <a:lstStyle/>
-          <a:p>
-            <a:r>
-              <a:rPr lang="en-US" dirty="0" smtClean="0"/>
-              <a:t>Allow optional arguments to be specified as required arguments</a:t>
-            </a:r>
-          </a:p>
-          <a:p>
-            <a:r>
-              <a:rPr lang="en-US" dirty="0" smtClean="0"/>
-              <a:t>Allow arguments to have a restricted set of possible values</a:t>
-            </a:r>
-          </a:p>
-          <a:p>
-            <a:r>
-              <a:rPr lang="en-US" dirty="0" smtClean="0"/>
-              <a:t>Saves to XML file</a:t>
-            </a:r>
+          <a:bodyPr>
+            <a:normAutofit/>
+          </a:bodyPr>
+          <a:lstStyle/>
+          <a:p>
+            <a:endParaRPr lang="en-US" dirty="0" smtClean="0"/>
+          </a:p>
+          <a:p>
+            <a:endParaRPr lang="en-US" dirty="0" smtClean="0"/>
           </a:p>
           <a:p>
             <a:endParaRPr lang="en-US" dirty="0"/>
@@ -4009,7 +3999,7 @@
     </p:spTree>
     <p:extLst>
       <p:ext uri="{BB962C8B-B14F-4D97-AF65-F5344CB8AC3E}">
-        <p14:creationId xmlns:p14="http://schemas.microsoft.com/office/powerpoint/2010/main" val="1543045444"/>
+        <p14:creationId xmlns:p14="http://schemas.microsoft.com/office/powerpoint/2010/main" val="3617566100"/>
       </p:ext>
     </p:extLst>
   </p:cSld>
@@ -4060,7 +4050,7 @@
           <a:p>
             <a:r>
               <a:rPr lang="en-US" dirty="0" smtClean="0"/>
-              <a:t>Technical Updates</a:t>
+              <a:t>Features</a:t>
             </a:r>
             <a:endParaRPr lang="en-US" dirty="0"/>
           </a:p>
@@ -4078,80 +4068,17 @@
         </p:nvSpPr>
         <p:spPr/>
         <p:txBody>
-          <a:bodyPr>
-            <a:normAutofit fontScale="85000" lnSpcReduction="10000"/>
-          </a:bodyPr>
+          <a:bodyPr/>
           <a:lstStyle/>
           <a:p>
             <a:r>
               <a:rPr lang="en-US" dirty="0" smtClean="0"/>
-              <a:t>Refactored mains</a:t>
-            </a:r>
-          </a:p>
-          <a:p>
-            <a:r>
-              <a:rPr lang="en-US" dirty="0" smtClean="0"/>
-              <a:t>Help information now includes optional arguments</a:t>
-            </a:r>
-          </a:p>
-          <a:p>
-            <a:r>
-              <a:rPr lang="en-US" dirty="0" smtClean="0"/>
-              <a:t>Methods take at most two arguments</a:t>
-            </a:r>
-          </a:p>
-          <a:p>
-            <a:r>
-              <a:rPr lang="en-US" dirty="0" smtClean="0"/>
-              <a:t>Refactor </a:t>
-            </a:r>
-            <a:r>
-              <a:rPr lang="en-US" dirty="0" err="1" smtClean="0"/>
-              <a:t>XMLParser</a:t>
-            </a:r>
-            <a:endParaRPr lang="en-US" dirty="0" smtClean="0"/>
-          </a:p>
-          <a:p>
-            <a:r>
-              <a:rPr lang="en-US" dirty="0" smtClean="0"/>
-              <a:t>Help is automatically added when a </a:t>
-            </a:r>
-            <a:r>
-              <a:rPr lang="en-US" dirty="0" err="1" smtClean="0"/>
-              <a:t>ArgumentParser</a:t>
-            </a:r>
-            <a:r>
-              <a:rPr lang="en-US" dirty="0" smtClean="0"/>
-              <a:t> is created</a:t>
-            </a:r>
-          </a:p>
-          <a:p>
-            <a:r>
-              <a:rPr lang="en-US" dirty="0" smtClean="0"/>
-              <a:t>Child classes are useful separately from the </a:t>
-            </a:r>
-            <a:r>
-              <a:rPr lang="en-US" dirty="0" err="1" smtClean="0"/>
-              <a:t>ArgumentParser</a:t>
-            </a:r>
-            <a:endParaRPr lang="en-US" dirty="0" smtClean="0"/>
-          </a:p>
-          <a:p>
-            <a:r>
-              <a:rPr lang="en-US" dirty="0" smtClean="0"/>
-              <a:t>Add more </a:t>
-            </a:r>
-            <a:r>
-              <a:rPr lang="en-US" smtClean="0"/>
-              <a:t>acceptance tests</a:t>
-            </a:r>
-            <a:endParaRPr lang="en-US" dirty="0" smtClean="0"/>
-          </a:p>
-          <a:p>
-            <a:endParaRPr lang="en-US" dirty="0" smtClean="0"/>
-          </a:p>
-          <a:p>
-            <a:endParaRPr lang="en-US" dirty="0" smtClean="0"/>
+              <a:t>Arguments can be saved to and loaded from an </a:t>
+            </a:r>
+            <a:r>
+              <a:rPr lang="en-US" smtClean="0"/>
+              <a:t>XML files.</a:t>
+            </a:r>
           </a:p>
           <a:p>
             <a:endParaRPr lang="en-US" dirty="0"/>
@@ -4161,7 +4088,7 @@
     </p:spTree>
     <p:extLst>
       <p:ext uri="{BB962C8B-B14F-4D97-AF65-F5344CB8AC3E}">
-        <p14:creationId xmlns:p14="http://schemas.microsoft.com/office/powerpoint/2010/main" val="3617566100"/>
+        <p14:creationId xmlns:p14="http://schemas.microsoft.com/office/powerpoint/2010/main" val="1543045444"/>
       </p:ext>
     </p:extLst>
   </p:cSld>
